--- a/CRESTfinal.pptx
+++ b/CRESTfinal.pptx
@@ -16,9 +16,8 @@
     <p:sldId id="262" r:id="rId10"/>
     <p:sldId id="263" r:id="rId11"/>
     <p:sldId id="264" r:id="rId12"/>
-    <p:sldId id="269" r:id="rId13"/>
-    <p:sldId id="267" r:id="rId14"/>
-    <p:sldId id="266" r:id="rId15"/>
+    <p:sldId id="267" r:id="rId13"/>
+    <p:sldId id="266" r:id="rId14"/>
   </p:sldIdLst>
   <p:sldSz cx="9144000" cy="6858000" type="screen4x3"/>
   <p:notesSz cx="6858000" cy="9144000"/>
@@ -4597,70 +4596,31 @@
               <a:rPr lang="en-US" sz="1400" dirty="0">
                 <a:latin typeface="Consolas" panose="020B0609020204030204" pitchFamily="49" charset="0"/>
               </a:rPr>
-              <a:t>Pratham </a:t>
-            </a:r>
-            <a:r>
-              <a:rPr lang="en-US" sz="1400" dirty="0" err="1">
-                <a:latin typeface="Consolas" panose="020B0609020204030204" pitchFamily="49" charset="0"/>
-              </a:rPr>
-              <a:t>Junghare</a:t>
-            </a:r>
-            <a:endParaRPr lang="en-US" sz="1400" dirty="0">
-              <a:latin typeface="Consolas" panose="020B0609020204030204" pitchFamily="49" charset="0"/>
-            </a:endParaRPr>
+              <a:t>Pratham Junghare</a:t>
+            </a:r>
           </a:p>
           <a:p>
             <a:r>
               <a:rPr lang="en-US" sz="1400" dirty="0">
                 <a:latin typeface="Consolas" panose="020B0609020204030204" pitchFamily="49" charset="0"/>
               </a:rPr>
-              <a:t>Savio </a:t>
-            </a:r>
-            <a:r>
-              <a:rPr lang="en-US" sz="1400" dirty="0" err="1">
-                <a:latin typeface="Consolas" panose="020B0609020204030204" pitchFamily="49" charset="0"/>
-              </a:rPr>
-              <a:t>Mampilly</a:t>
-            </a:r>
-            <a:endParaRPr lang="en-US" sz="1400" dirty="0">
-              <a:latin typeface="Consolas" panose="020B0609020204030204" pitchFamily="49" charset="0"/>
-            </a:endParaRPr>
+              <a:t>Savio Mampilly</a:t>
+            </a:r>
           </a:p>
           <a:p>
             <a:r>
               <a:rPr lang="en-US" sz="1400" dirty="0">
                 <a:latin typeface="Consolas" panose="020B0609020204030204" pitchFamily="49" charset="0"/>
               </a:rPr>
-              <a:t>GUIDED BY- Prof. Nilesh </a:t>
-            </a:r>
-            <a:r>
-              <a:rPr lang="en-US" sz="1400" dirty="0" err="1">
-                <a:latin typeface="Consolas" panose="020B0609020204030204" pitchFamily="49" charset="0"/>
-              </a:rPr>
-              <a:t>Ghavate</a:t>
-            </a:r>
-            <a:endParaRPr lang="en-US" sz="1400" dirty="0">
-              <a:latin typeface="Consolas" panose="020B0609020204030204" pitchFamily="49" charset="0"/>
-            </a:endParaRPr>
+              <a:t>GUIDED BY- Prof. Nilesh Ghavate</a:t>
+            </a:r>
           </a:p>
           <a:p>
             <a:r>
               <a:rPr lang="en-US" sz="1400" dirty="0">
                 <a:latin typeface="Consolas" panose="020B0609020204030204" pitchFamily="49" charset="0"/>
               </a:rPr>
-              <a:t>COORDINATOR – Prof. </a:t>
-            </a:r>
-            <a:r>
-              <a:rPr lang="en-US" sz="1400" dirty="0" err="1">
-                <a:latin typeface="Consolas" panose="020B0609020204030204" pitchFamily="49" charset="0"/>
-              </a:rPr>
-              <a:t>Tayyabali</a:t>
-            </a:r>
-            <a:r>
-              <a:rPr lang="en-US" sz="1400" dirty="0">
-                <a:latin typeface="Consolas" panose="020B0609020204030204" pitchFamily="49" charset="0"/>
-              </a:rPr>
-              <a:t> Sayyad</a:t>
+              <a:t>COORDINATOR – Prof. Tayyabali Sayyad</a:t>
             </a:r>
             <a:endParaRPr lang="en-US" sz="1200" dirty="0">
               <a:latin typeface="Consolas" panose="020B0609020204030204" pitchFamily="49" charset="0"/>
@@ -4911,96 +4871,6 @@
 </file>
 
 <file path=ppt/slides/slide12.xml><?xml version="1.0" encoding="utf-8"?>
-<p:sld xmlns:a="http://schemas.openxmlformats.org/drawingml/2006/main" xmlns:r="http://schemas.openxmlformats.org/officeDocument/2006/relationships" xmlns:p="http://schemas.openxmlformats.org/presentationml/2006/main">
-  <p:cSld>
-    <p:spTree>
-      <p:nvGrpSpPr>
-        <p:cNvPr id="1" name=""/>
-        <p:cNvGrpSpPr/>
-        <p:nvPr/>
-      </p:nvGrpSpPr>
-      <p:grpSpPr>
-        <a:xfrm>
-          <a:off x="0" y="0"/>
-          <a:ext cx="0" cy="0"/>
-          <a:chOff x="0" y="0"/>
-          <a:chExt cx="0" cy="0"/>
-        </a:xfrm>
-      </p:grpSpPr>
-      <p:sp>
-        <p:nvSpPr>
-          <p:cNvPr id="2" name="Content Placeholder 1">
-            <a:extLst>
-              <a:ext uri="{FF2B5EF4-FFF2-40B4-BE49-F238E27FC236}">
-                <a16:creationId xmlns:a16="http://schemas.microsoft.com/office/drawing/2014/main" id="{C7158463-F72E-5DD8-E0B6-990081312FE9}"/>
-              </a:ext>
-            </a:extLst>
-          </p:cNvPr>
-          <p:cNvSpPr>
-            <a:spLocks noGrp="1"/>
-          </p:cNvSpPr>
-          <p:nvPr>
-            <p:ph idx="1"/>
-          </p:nvPr>
-        </p:nvSpPr>
-        <p:spPr/>
-        <p:txBody>
-          <a:bodyPr>
-            <a:normAutofit/>
-          </a:bodyPr>
-          <a:lstStyle/>
-          <a:p>
-            <a:endParaRPr lang="en-IN" sz="2800" dirty="0">
-              <a:solidFill>
-                <a:schemeClr val="tx2"/>
-              </a:solidFill>
-              <a:latin typeface="Consolas" panose="020B0609020204030204" pitchFamily="49" charset="0"/>
-            </a:endParaRPr>
-          </a:p>
-        </p:txBody>
-      </p:sp>
-      <p:sp>
-        <p:nvSpPr>
-          <p:cNvPr id="3" name="Title 2">
-            <a:extLst>
-              <a:ext uri="{FF2B5EF4-FFF2-40B4-BE49-F238E27FC236}">
-                <a16:creationId xmlns:a16="http://schemas.microsoft.com/office/drawing/2014/main" id="{678256D3-9BC5-DEB1-C2C8-E49CC33A374A}"/>
-              </a:ext>
-            </a:extLst>
-          </p:cNvPr>
-          <p:cNvSpPr>
-            <a:spLocks noGrp="1"/>
-          </p:cNvSpPr>
-          <p:nvPr>
-            <p:ph type="title"/>
-          </p:nvPr>
-        </p:nvSpPr>
-        <p:spPr/>
-        <p:txBody>
-          <a:bodyPr/>
-          <a:lstStyle/>
-          <a:p>
-            <a:r>
-              <a:rPr lang="en-IN" dirty="0"/>
-              <a:t>Reference</a:t>
-            </a:r>
-          </a:p>
-        </p:txBody>
-      </p:sp>
-    </p:spTree>
-    <p:extLst>
-      <p:ext uri="{BB962C8B-B14F-4D97-AF65-F5344CB8AC3E}">
-        <p14:creationId xmlns:p14="http://schemas.microsoft.com/office/powerpoint/2010/main" val="1964827799"/>
-      </p:ext>
-    </p:extLst>
-  </p:cSld>
-  <p:clrMapOvr>
-    <a:masterClrMapping/>
-  </p:clrMapOvr>
-</p:sld>
-</file>
-
-<file path=ppt/slides/slide13.xml><?xml version="1.0" encoding="utf-8"?>
 <p:sld xmlns:a="http://schemas.openxmlformats.org/drawingml/2006/main" xmlns:r="http://schemas.openxmlformats.org/officeDocument/2006/relationships" xmlns:p="http://schemas.openxmlformats.org/presentationml/2006/main">
   <p:cSld>
     <p:spTree>
@@ -5707,7 +5577,7 @@
 </p:sld>
 </file>
 
-<file path=ppt/slides/slide14.xml><?xml version="1.0" encoding="utf-8"?>
+<file path=ppt/slides/slide13.xml><?xml version="1.0" encoding="utf-8"?>
 <p:sld xmlns:a="http://schemas.openxmlformats.org/drawingml/2006/main" xmlns:r="http://schemas.openxmlformats.org/officeDocument/2006/relationships" xmlns:p="http://schemas.openxmlformats.org/presentationml/2006/main">
   <p:cSld>
     <p:spTree>
@@ -6520,22 +6390,13 @@
           <a:p>
             <a:pPr marL="171450" marR="64008" indent="-171450"/>
             <a:r>
-              <a:rPr lang="en-US" sz="2800" dirty="0" err="1">
-                <a:solidFill>
-                  <a:schemeClr val="tx2"/>
-                </a:solidFill>
-                <a:latin typeface="Consolas" panose="020B0609020204030204" pitchFamily="49" charset="0"/>
-              </a:rPr>
-              <a:t>Github</a:t>
-            </a:r>
-            <a:r>
               <a:rPr lang="en-US" sz="2800" dirty="0">
                 <a:solidFill>
                   <a:schemeClr val="tx2"/>
                 </a:solidFill>
                 <a:latin typeface="Consolas" panose="020B0609020204030204" pitchFamily="49" charset="0"/>
               </a:rPr>
-              <a:t> link</a:t>
+              <a:t>Github link</a:t>
             </a:r>
             <a:endParaRPr lang="en-US" sz="1200" dirty="0">
               <a:solidFill>
@@ -7093,10 +6954,10 @@
       </p:sp>
       <p:pic>
         <p:nvPicPr>
-          <p:cNvPr id="4" name="Picture 3">
+          <p:cNvPr id="5" name="Picture 4">
             <a:extLst>
               <a:ext uri="{FF2B5EF4-FFF2-40B4-BE49-F238E27FC236}">
-                <a16:creationId xmlns:a16="http://schemas.microsoft.com/office/drawing/2014/main" id="{DE93F61A-6991-7041-BC18-997ED812332A}"/>
+                <a16:creationId xmlns:a16="http://schemas.microsoft.com/office/drawing/2014/main" id="{5EDCE185-BA23-CD37-431B-AC7D3FB87D9E}"/>
               </a:ext>
             </a:extLst>
           </p:cNvPr>
@@ -7107,13 +6968,13 @@
         </p:nvPicPr>
         <p:blipFill rotWithShape="1">
           <a:blip r:embed="rId3"/>
-          <a:srcRect l="3265" t="4870" r="1090" b="2048"/>
+          <a:srcRect l="-632" t="2897" r="14"/>
           <a:stretch/>
         </p:blipFill>
         <p:spPr>
           <a:xfrm>
-            <a:off x="4343400" y="3459164"/>
-            <a:ext cx="4800600" cy="3200400"/>
+            <a:off x="0" y="1417638"/>
+            <a:ext cx="4294163" cy="3200400"/>
           </a:xfrm>
           <a:prstGeom prst="rect">
             <a:avLst/>
@@ -7122,10 +6983,10 @@
       </p:pic>
       <p:pic>
         <p:nvPicPr>
-          <p:cNvPr id="6" name="Picture 5">
+          <p:cNvPr id="8" name="Picture 7">
             <a:extLst>
               <a:ext uri="{FF2B5EF4-FFF2-40B4-BE49-F238E27FC236}">
-                <a16:creationId xmlns:a16="http://schemas.microsoft.com/office/drawing/2014/main" id="{9A5DA09B-E991-0559-3F55-5E0A559D6C4A}"/>
+                <a16:creationId xmlns:a16="http://schemas.microsoft.com/office/drawing/2014/main" id="{9403926B-3D58-366A-D90A-2C6A69FC5F68}"/>
               </a:ext>
             </a:extLst>
           </p:cNvPr>
@@ -7134,16 +6995,15 @@
           </p:cNvPicPr>
           <p:nvPr/>
         </p:nvPicPr>
-        <p:blipFill>
+        <p:blipFill rotWithShape="1">
           <a:blip r:embed="rId4"/>
-          <a:stretch>
-            <a:fillRect/>
-          </a:stretch>
+          <a:srcRect l="677" t="3220" r="677" b="1759"/>
+          <a:stretch/>
         </p:blipFill>
         <p:spPr>
           <a:xfrm>
-            <a:off x="26613" y="1383859"/>
-            <a:ext cx="4353709" cy="3352800"/>
+            <a:off x="4309874" y="3276600"/>
+            <a:ext cx="4644465" cy="3430571"/>
           </a:xfrm>
           <a:prstGeom prst="rect">
             <a:avLst/>

--- a/CRESTfinal.pptx
+++ b/CRESTfinal.pptx
@@ -14,10 +14,12 @@
     <p:sldId id="270" r:id="rId8"/>
     <p:sldId id="261" r:id="rId9"/>
     <p:sldId id="262" r:id="rId10"/>
-    <p:sldId id="263" r:id="rId11"/>
-    <p:sldId id="264" r:id="rId12"/>
-    <p:sldId id="267" r:id="rId13"/>
-    <p:sldId id="266" r:id="rId14"/>
+    <p:sldId id="272" r:id="rId11"/>
+    <p:sldId id="263" r:id="rId12"/>
+    <p:sldId id="264" r:id="rId13"/>
+    <p:sldId id="271" r:id="rId14"/>
+    <p:sldId id="267" r:id="rId15"/>
+    <p:sldId id="266" r:id="rId16"/>
   </p:sldIdLst>
   <p:sldSz cx="9144000" cy="6858000" type="screen4x3"/>
   <p:notesSz cx="6858000" cy="9144000"/>
@@ -750,7 +752,7 @@
           <a:p>
             <a:fld id="{9FBD05A3-3336-45BF-8911-EBBB09E7B88F}" type="datetimeFigureOut">
               <a:rPr lang="en-US" smtClean="0"/>
-              <a:t>9/7/2022</a:t>
+              <a:t>9/9/2022</a:t>
             </a:fld>
             <a:endParaRPr lang="en-US"/>
           </a:p>
@@ -940,7 +942,7 @@
             <a:fld id="{42635EB0-D091-417E-ACD5-D65E1C7D8524}" type="datetime1">
               <a:rPr lang="en-US" smtClean="0"/>
               <a:pPr/>
-              <a:t>9/7/2022</a:t>
+              <a:t>9/9/2022</a:t>
             </a:fld>
             <a:endParaRPr lang="en-US"/>
           </a:p>
@@ -1115,7 +1117,7 @@
             <a:fld id="{7FCA09F9-C7D6-4C52-A7E8-5101239A0BA2}" type="datetime1">
               <a:rPr lang="en-US" smtClean="0"/>
               <a:pPr/>
-              <a:t>9/7/2022</a:t>
+              <a:t>9/9/2022</a:t>
             </a:fld>
             <a:endParaRPr lang="en-US"/>
           </a:p>
@@ -1258,7 +1260,7 @@
             <a:fld id="{0FFE64A4-35FB-42B6-9183-2C0CE0E36649}" type="datetime1">
               <a:rPr lang="en-US" smtClean="0"/>
               <a:pPr/>
-              <a:t>9/7/2022</a:t>
+              <a:t>9/9/2022</a:t>
             </a:fld>
             <a:endParaRPr lang="en-US"/>
           </a:p>
@@ -1504,7 +1506,7 @@
             <a:fld id="{2A2683B9-6ECA-47FA-93CF-B124A0FAC208}" type="datetime1">
               <a:rPr lang="en-US" smtClean="0"/>
               <a:pPr/>
-              <a:t>9/7/2022</a:t>
+              <a:t>9/9/2022</a:t>
             </a:fld>
             <a:endParaRPr lang="en-US"/>
           </a:p>
@@ -1904,7 +1906,7 @@
             <a:fld id="{305FF66B-9476-4BB3-85E9-E01854F07F90}" type="datetime1">
               <a:rPr lang="en-US" smtClean="0"/>
               <a:pPr/>
-              <a:t>9/7/2022</a:t>
+              <a:t>9/9/2022</a:t>
             </a:fld>
             <a:endParaRPr lang="en-US"/>
           </a:p>
@@ -2341,7 +2343,7 @@
             <a:fld id="{56B23FBD-8F7D-4F85-8085-67BFDB05CB71}" type="datetime1">
               <a:rPr lang="en-US" smtClean="0"/>
               <a:pPr/>
-              <a:t>9/7/2022</a:t>
+              <a:t>9/9/2022</a:t>
             </a:fld>
             <a:endParaRPr lang="en-US"/>
           </a:p>
@@ -2437,7 +2439,7 @@
             <a:fld id="{465D789A-1220-4441-8676-44A034051BFD}" type="datetime1">
               <a:rPr lang="en-US" smtClean="0"/>
               <a:pPr/>
-              <a:t>9/7/2022</a:t>
+              <a:t>9/9/2022</a:t>
             </a:fld>
             <a:endParaRPr lang="en-US"/>
           </a:p>
@@ -2550,7 +2552,7 @@
             <a:fld id="{EF98A266-E364-4B5E-98DD-432668182E1E}" type="datetime1">
               <a:rPr lang="en-US" smtClean="0"/>
               <a:pPr/>
-              <a:t>9/7/2022</a:t>
+              <a:t>9/9/2022</a:t>
             </a:fld>
             <a:endParaRPr lang="en-US"/>
           </a:p>
@@ -2818,7 +2820,7 @@
             <a:fld id="{493F2040-9975-4642-A906-1DF87F8BE202}" type="datetime1">
               <a:rPr lang="en-US" smtClean="0"/>
               <a:pPr/>
-              <a:t>9/7/2022</a:t>
+              <a:t>9/9/2022</a:t>
             </a:fld>
             <a:endParaRPr lang="en-US"/>
           </a:p>
@@ -3020,7 +3022,7 @@
             <a:fld id="{51E52B4A-BA08-4841-AB08-A0D822ABC34D}" type="datetime1">
               <a:rPr lang="en-US" smtClean="0"/>
               <a:pPr/>
-              <a:t>9/7/2022</a:t>
+              <a:t>9/9/2022</a:t>
             </a:fld>
             <a:endParaRPr lang="en-US"/>
           </a:p>
@@ -4107,7 +4109,7 @@
             <a:fld id="{75D48070-6A81-47D0-9810-1540B9FEFF61}" type="datetime1">
               <a:rPr lang="en-US" smtClean="0"/>
               <a:pPr/>
-              <a:t>9/7/2022</a:t>
+              <a:t>9/9/2022</a:t>
             </a:fld>
             <a:endParaRPr lang="en-US"/>
           </a:p>
@@ -4539,16 +4541,12 @@
           </a:bodyPr>
           <a:lstStyle/>
           <a:p>
-            <a:r>
-              <a:rPr lang="en-US" sz="6000" dirty="0"/>
-              <a:t>CREST</a:t>
-            </a:r>
             <a:br>
               <a:rPr lang="en-US" sz="6000" dirty="0"/>
             </a:br>
             <a:r>
               <a:rPr lang="en-US" sz="2000" dirty="0"/>
-              <a:t>INVESTMENT PORTFOLIO MANGER</a:t>
+              <a:t>Personal Finance Portfolio Manager</a:t>
             </a:r>
             <a:endParaRPr lang="en-US" sz="6000" dirty="0"/>
           </a:p>
@@ -4566,8 +4564,8 @@
         </p:nvSpPr>
         <p:spPr>
           <a:xfrm>
-            <a:off x="685800" y="3611606"/>
-            <a:ext cx="7924800" cy="1493793"/>
+            <a:off x="5105400" y="3611606"/>
+            <a:ext cx="3505200" cy="1493793"/>
           </a:xfrm>
         </p:spPr>
         <p:txBody>
@@ -4576,6 +4574,7 @@
           </a:bodyPr>
           <a:lstStyle/>
           <a:p>
+            <a:pPr algn="l"/>
             <a:r>
               <a:rPr lang="en-US" sz="1400" dirty="0">
                 <a:latin typeface="Consolas" panose="020B0609020204030204" pitchFamily="49" charset="0"/>
@@ -4584,6 +4583,7 @@
             </a:r>
           </a:p>
           <a:p>
+            <a:pPr algn="l"/>
             <a:r>
               <a:rPr lang="en-US" sz="1400" dirty="0">
                 <a:latin typeface="Consolas" panose="020B0609020204030204" pitchFamily="49" charset="0"/>
@@ -4592,6 +4592,7 @@
             </a:r>
           </a:p>
           <a:p>
+            <a:pPr algn="l"/>
             <a:r>
               <a:rPr lang="en-US" sz="1400" dirty="0">
                 <a:latin typeface="Consolas" panose="020B0609020204030204" pitchFamily="49" charset="0"/>
@@ -4600,6 +4601,7 @@
             </a:r>
           </a:p>
           <a:p>
+            <a:pPr algn="l"/>
             <a:r>
               <a:rPr lang="en-US" sz="1400" dirty="0">
                 <a:latin typeface="Consolas" panose="020B0609020204030204" pitchFamily="49" charset="0"/>
@@ -4608,6 +4610,7 @@
             </a:r>
           </a:p>
           <a:p>
+            <a:pPr algn="l"/>
             <a:r>
               <a:rPr lang="en-US" sz="1400" dirty="0">
                 <a:latin typeface="Consolas" panose="020B0609020204030204" pitchFamily="49" charset="0"/>
@@ -4616,6 +4619,7 @@
             </a:r>
           </a:p>
           <a:p>
+            <a:pPr algn="l"/>
             <a:r>
               <a:rPr lang="en-US" sz="1400" dirty="0">
                 <a:latin typeface="Consolas" panose="020B0609020204030204" pitchFamily="49" charset="0"/>
@@ -4679,8 +4683,8 @@
         </p:blipFill>
         <p:spPr>
           <a:xfrm>
-            <a:off x="36923" y="5562600"/>
-            <a:ext cx="1994916" cy="1295400"/>
+            <a:off x="5410200" y="-203365"/>
+            <a:ext cx="3442716" cy="2235530"/>
           </a:xfrm>
           <a:prstGeom prst="rect">
             <a:avLst/>
@@ -4719,7 +4723,13 @@
       </p:grpSpPr>
       <p:sp>
         <p:nvSpPr>
-          <p:cNvPr id="2" name="Content Placeholder 1"/>
+          <p:cNvPr id="2" name="Content Placeholder 1">
+            <a:extLst>
+              <a:ext uri="{FF2B5EF4-FFF2-40B4-BE49-F238E27FC236}">
+                <a16:creationId xmlns:a16="http://schemas.microsoft.com/office/drawing/2014/main" id="{57580023-2117-B2D3-9FCA-0EF5389C4358}"/>
+              </a:ext>
+            </a:extLst>
+          </p:cNvPr>
           <p:cNvSpPr>
             <a:spLocks noGrp="1"/>
           </p:cNvSpPr>
@@ -4733,34 +4743,69 @@
           <a:lstStyle/>
           <a:p>
             <a:r>
-              <a:rPr lang="en-US" sz="2800" dirty="0">
-                <a:solidFill>
-                  <a:schemeClr val="tx2"/>
-                </a:solidFill>
+              <a:rPr lang="en-IN" dirty="0" err="1">
                 <a:latin typeface="Consolas" panose="020B0609020204030204" pitchFamily="49" charset="0"/>
               </a:rPr>
-              <a:t>Database has been created and filled with data.</a:t>
-            </a:r>
-          </a:p>
-          <a:p>
-            <a:r>
-              <a:rPr lang="en-US" sz="2800" dirty="0">
-                <a:solidFill>
-                  <a:schemeClr val="tx2"/>
-                </a:solidFill>
+              <a:t>Intellij</a:t>
+            </a:r>
+            <a:r>
+              <a:rPr lang="en-IN" dirty="0">
                 <a:latin typeface="Consolas" panose="020B0609020204030204" pitchFamily="49" charset="0"/>
               </a:rPr>
-              <a:t>All the separate frames(scenes) have been connected via the use of buttons.</a:t>
-            </a:r>
-          </a:p>
-          <a:p>
-            <a:endParaRPr lang="en-US" dirty="0"/>
-          </a:p>
-        </p:txBody>
-      </p:sp>
-      <p:sp>
-        <p:nvSpPr>
-          <p:cNvPr id="3" name="Title 2"/>
+              <a:t> idea</a:t>
+            </a:r>
+          </a:p>
+          <a:p>
+            <a:endParaRPr lang="en-IN" dirty="0">
+              <a:latin typeface="Consolas" panose="020B0609020204030204" pitchFamily="49" charset="0"/>
+            </a:endParaRPr>
+          </a:p>
+          <a:p>
+            <a:r>
+              <a:rPr lang="en-IN" dirty="0">
+                <a:latin typeface="Consolas" panose="020B0609020204030204" pitchFamily="49" charset="0"/>
+              </a:rPr>
+              <a:t>JavaFX </a:t>
+            </a:r>
+            <a:r>
+              <a:rPr lang="en-IN" dirty="0" err="1">
+                <a:latin typeface="Consolas" panose="020B0609020204030204" pitchFamily="49" charset="0"/>
+              </a:rPr>
+              <a:t>Scenebuilder</a:t>
+            </a:r>
+            <a:endParaRPr lang="en-IN" dirty="0">
+              <a:latin typeface="Consolas" panose="020B0609020204030204" pitchFamily="49" charset="0"/>
+            </a:endParaRPr>
+          </a:p>
+          <a:p>
+            <a:endParaRPr lang="en-IN" dirty="0">
+              <a:latin typeface="Consolas" panose="020B0609020204030204" pitchFamily="49" charset="0"/>
+            </a:endParaRPr>
+          </a:p>
+          <a:p>
+            <a:r>
+              <a:rPr lang="en-IN" dirty="0">
+                <a:latin typeface="Consolas" panose="020B0609020204030204" pitchFamily="49" charset="0"/>
+              </a:rPr>
+              <a:t>MYSQL</a:t>
+            </a:r>
+          </a:p>
+          <a:p>
+            <a:endParaRPr lang="en-IN" dirty="0">
+              <a:latin typeface="Consolas" panose="020B0609020204030204" pitchFamily="49" charset="0"/>
+            </a:endParaRPr>
+          </a:p>
+        </p:txBody>
+      </p:sp>
+      <p:sp>
+        <p:nvSpPr>
+          <p:cNvPr id="3" name="Title 2">
+            <a:extLst>
+              <a:ext uri="{FF2B5EF4-FFF2-40B4-BE49-F238E27FC236}">
+                <a16:creationId xmlns:a16="http://schemas.microsoft.com/office/drawing/2014/main" id="{F39F383B-C85B-0856-F1FC-2C72FACE88D1}"/>
+              </a:ext>
+            </a:extLst>
+          </p:cNvPr>
           <p:cNvSpPr>
             <a:spLocks noGrp="1"/>
           </p:cNvSpPr>
@@ -4774,8 +4819,8 @@
           <a:lstStyle/>
           <a:p>
             <a:r>
-              <a:rPr lang="en-US" dirty="0"/>
-              <a:t>PROGRESS DEVELOPMENT</a:t>
+              <a:rPr lang="en-IN" dirty="0"/>
+              <a:t>Development tools used:</a:t>
             </a:r>
           </a:p>
         </p:txBody>
@@ -4783,7 +4828,7 @@
     </p:spTree>
     <p:extLst>
       <p:ext uri="{BB962C8B-B14F-4D97-AF65-F5344CB8AC3E}">
-        <p14:creationId xmlns:p14="http://schemas.microsoft.com/office/powerpoint/2010/main" val="2044562148"/>
+        <p14:creationId xmlns:p14="http://schemas.microsoft.com/office/powerpoint/2010/main" val="2911331817"/>
       </p:ext>
     </p:extLst>
   </p:cSld>
@@ -4826,6 +4871,99 @@
           <a:lstStyle/>
           <a:p>
             <a:r>
+              <a:rPr lang="en-US" sz="2800" dirty="0">
+                <a:solidFill>
+                  <a:schemeClr val="tx2"/>
+                </a:solidFill>
+                <a:latin typeface="Consolas" panose="020B0609020204030204" pitchFamily="49" charset="0"/>
+              </a:rPr>
+              <a:t>Database has been created and filled with data.</a:t>
+            </a:r>
+          </a:p>
+          <a:p>
+            <a:r>
+              <a:rPr lang="en-US" sz="2800" dirty="0">
+                <a:solidFill>
+                  <a:schemeClr val="tx2"/>
+                </a:solidFill>
+                <a:latin typeface="Consolas" panose="020B0609020204030204" pitchFamily="49" charset="0"/>
+              </a:rPr>
+              <a:t>All the separate frames(scenes) have been connected via the use of buttons.</a:t>
+            </a:r>
+          </a:p>
+          <a:p>
+            <a:endParaRPr lang="en-US" dirty="0"/>
+          </a:p>
+        </p:txBody>
+      </p:sp>
+      <p:sp>
+        <p:nvSpPr>
+          <p:cNvPr id="3" name="Title 2"/>
+          <p:cNvSpPr>
+            <a:spLocks noGrp="1"/>
+          </p:cNvSpPr>
+          <p:nvPr>
+            <p:ph type="title"/>
+          </p:nvPr>
+        </p:nvSpPr>
+        <p:spPr/>
+        <p:txBody>
+          <a:bodyPr/>
+          <a:lstStyle/>
+          <a:p>
+            <a:r>
+              <a:rPr lang="en-US" dirty="0"/>
+              <a:t>PROGRESS DEVELOPMENT</a:t>
+            </a:r>
+          </a:p>
+        </p:txBody>
+      </p:sp>
+    </p:spTree>
+    <p:extLst>
+      <p:ext uri="{BB962C8B-B14F-4D97-AF65-F5344CB8AC3E}">
+        <p14:creationId xmlns:p14="http://schemas.microsoft.com/office/powerpoint/2010/main" val="2044562148"/>
+      </p:ext>
+    </p:extLst>
+  </p:cSld>
+  <p:clrMapOvr>
+    <a:masterClrMapping/>
+  </p:clrMapOvr>
+</p:sld>
+</file>
+
+<file path=ppt/slides/slide12.xml><?xml version="1.0" encoding="utf-8"?>
+<p:sld xmlns:a="http://schemas.openxmlformats.org/drawingml/2006/main" xmlns:r="http://schemas.openxmlformats.org/officeDocument/2006/relationships" xmlns:p="http://schemas.openxmlformats.org/presentationml/2006/main">
+  <p:cSld>
+    <p:spTree>
+      <p:nvGrpSpPr>
+        <p:cNvPr id="1" name=""/>
+        <p:cNvGrpSpPr/>
+        <p:nvPr/>
+      </p:nvGrpSpPr>
+      <p:grpSpPr>
+        <a:xfrm>
+          <a:off x="0" y="0"/>
+          <a:ext cx="0" cy="0"/>
+          <a:chOff x="0" y="0"/>
+          <a:chExt cx="0" cy="0"/>
+        </a:xfrm>
+      </p:grpSpPr>
+      <p:sp>
+        <p:nvSpPr>
+          <p:cNvPr id="2" name="Content Placeholder 1"/>
+          <p:cNvSpPr>
+            <a:spLocks noGrp="1"/>
+          </p:cNvSpPr>
+          <p:nvPr>
+            <p:ph idx="1"/>
+          </p:nvPr>
+        </p:nvSpPr>
+        <p:spPr/>
+        <p:txBody>
+          <a:bodyPr/>
+          <a:lstStyle/>
+          <a:p>
+            <a:r>
               <a:rPr lang="en-US" dirty="0">
                 <a:hlinkClick r:id="rId2"/>
               </a:rPr>
@@ -4870,7 +5008,151 @@
 </p:sld>
 </file>
 
-<file path=ppt/slides/slide12.xml><?xml version="1.0" encoding="utf-8"?>
+<file path=ppt/slides/slide13.xml><?xml version="1.0" encoding="utf-8"?>
+<p:sld xmlns:a="http://schemas.openxmlformats.org/drawingml/2006/main" xmlns:r="http://schemas.openxmlformats.org/officeDocument/2006/relationships" xmlns:p="http://schemas.openxmlformats.org/presentationml/2006/main">
+  <p:cSld>
+    <p:spTree>
+      <p:nvGrpSpPr>
+        <p:cNvPr id="1" name=""/>
+        <p:cNvGrpSpPr/>
+        <p:nvPr/>
+      </p:nvGrpSpPr>
+      <p:grpSpPr>
+        <a:xfrm>
+          <a:off x="0" y="0"/>
+          <a:ext cx="0" cy="0"/>
+          <a:chOff x="0" y="0"/>
+          <a:chExt cx="0" cy="0"/>
+        </a:xfrm>
+      </p:grpSpPr>
+      <p:sp>
+        <p:nvSpPr>
+          <p:cNvPr id="2" name="Content Placeholder 1">
+            <a:extLst>
+              <a:ext uri="{FF2B5EF4-FFF2-40B4-BE49-F238E27FC236}">
+                <a16:creationId xmlns:a16="http://schemas.microsoft.com/office/drawing/2014/main" id="{6356EF69-E436-F7F7-B5E6-AD416193EEFE}"/>
+              </a:ext>
+            </a:extLst>
+          </p:cNvPr>
+          <p:cNvSpPr>
+            <a:spLocks noGrp="1"/>
+          </p:cNvSpPr>
+          <p:nvPr>
+            <p:ph idx="1"/>
+          </p:nvPr>
+        </p:nvSpPr>
+        <p:spPr>
+          <a:xfrm>
+            <a:off x="28280" y="1524000"/>
+            <a:ext cx="8686800" cy="4525963"/>
+          </a:xfrm>
+        </p:spPr>
+        <p:txBody>
+          <a:bodyPr/>
+          <a:lstStyle/>
+          <a:p>
+            <a:pPr>
+              <a:lnSpc>
+                <a:spcPct val="150000"/>
+              </a:lnSpc>
+            </a:pPr>
+            <a:r>
+              <a:rPr lang="en-IN" dirty="0">
+                <a:hlinkClick r:id="rId2"/>
+              </a:rPr>
+              <a:t>https://youtu.be/YSOY_NyOg40</a:t>
+            </a:r>
+            <a:endParaRPr lang="en-IN" dirty="0"/>
+          </a:p>
+          <a:p>
+            <a:pPr>
+              <a:lnSpc>
+                <a:spcPct val="150000"/>
+              </a:lnSpc>
+            </a:pPr>
+            <a:r>
+              <a:rPr lang="en-IN" dirty="0">
+                <a:hlinkClick r:id="rId3"/>
+              </a:rPr>
+              <a:t>https://www.bankbazaar.com/calculators.html</a:t>
+            </a:r>
+            <a:endParaRPr lang="en-IN" dirty="0"/>
+          </a:p>
+          <a:p>
+            <a:pPr>
+              <a:lnSpc>
+                <a:spcPct val="150000"/>
+              </a:lnSpc>
+            </a:pPr>
+            <a:r>
+              <a:rPr lang="en-IN" dirty="0">
+                <a:hlinkClick r:id="rId4"/>
+              </a:rPr>
+              <a:t>https://www.indiainfoline.com/business-partners/financial-advisor-fees-cost-charges-in-india</a:t>
+            </a:r>
+            <a:endParaRPr lang="en-IN" dirty="0"/>
+          </a:p>
+          <a:p>
+            <a:pPr>
+              <a:lnSpc>
+                <a:spcPct val="150000"/>
+              </a:lnSpc>
+            </a:pPr>
+            <a:r>
+              <a:rPr lang="en-IN" dirty="0">
+                <a:hlinkClick r:id="rId5"/>
+              </a:rPr>
+              <a:t>https://youtu.be/gxwo9aSFzV8</a:t>
+            </a:r>
+            <a:r>
+              <a:rPr lang="en-IN" dirty="0"/>
+              <a:t> </a:t>
+            </a:r>
+          </a:p>
+        </p:txBody>
+      </p:sp>
+      <p:sp>
+        <p:nvSpPr>
+          <p:cNvPr id="3" name="Title 2">
+            <a:extLst>
+              <a:ext uri="{FF2B5EF4-FFF2-40B4-BE49-F238E27FC236}">
+                <a16:creationId xmlns:a16="http://schemas.microsoft.com/office/drawing/2014/main" id="{6943D5E2-EB80-FF41-992B-0AB55C53A1B7}"/>
+              </a:ext>
+            </a:extLst>
+          </p:cNvPr>
+          <p:cNvSpPr>
+            <a:spLocks noGrp="1"/>
+          </p:cNvSpPr>
+          <p:nvPr>
+            <p:ph type="title"/>
+          </p:nvPr>
+        </p:nvSpPr>
+        <p:spPr/>
+        <p:txBody>
+          <a:bodyPr/>
+          <a:lstStyle/>
+          <a:p>
+            <a:r>
+              <a:rPr lang="en-IN" dirty="0"/>
+              <a:t>Reference</a:t>
+            </a:r>
+          </a:p>
+        </p:txBody>
+      </p:sp>
+    </p:spTree>
+    <p:extLst>
+      <p:ext uri="{BB962C8B-B14F-4D97-AF65-F5344CB8AC3E}">
+        <p14:creationId xmlns:p14="http://schemas.microsoft.com/office/powerpoint/2010/main" val="1256630449"/>
+      </p:ext>
+    </p:extLst>
+  </p:cSld>
+  <p:clrMapOvr>
+    <a:masterClrMapping/>
+  </p:clrMapOvr>
+</p:sld>
+</file>
+
+<file path=ppt/slides/slide14.xml><?xml version="1.0" encoding="utf-8"?>
 <p:sld xmlns:a="http://schemas.openxmlformats.org/drawingml/2006/main" xmlns:r="http://schemas.openxmlformats.org/officeDocument/2006/relationships" xmlns:p="http://schemas.openxmlformats.org/presentationml/2006/main">
   <p:cSld>
     <p:spTree>
@@ -5577,7 +5859,7 @@
 </p:sld>
 </file>
 
-<file path=ppt/slides/slide13.xml><?xml version="1.0" encoding="utf-8"?>
+<file path=ppt/slides/slide15.xml><?xml version="1.0" encoding="utf-8"?>
 <p:sld xmlns:a="http://schemas.openxmlformats.org/drawingml/2006/main" xmlns:r="http://schemas.openxmlformats.org/officeDocument/2006/relationships" xmlns:p="http://schemas.openxmlformats.org/presentationml/2006/main">
   <p:cSld>
     <p:spTree>
@@ -6482,7 +6764,7 @@
           <a:p>
             <a:r>
               <a:rPr lang="en-IN" dirty="0"/>
-              <a:t>To write a program that makes making investment related decisions easier. </a:t>
+              <a:t>We are making a system that will help make investment related decisions easier. </a:t>
             </a:r>
           </a:p>
         </p:txBody>
@@ -6578,15 +6860,6 @@
           </a:p>
           <a:p>
             <a:pPr marL="171450" marR="64008" indent="-171450"/>
-            <a:endParaRPr lang="en-US" sz="2800" dirty="0">
-              <a:solidFill>
-                <a:schemeClr val="tx2"/>
-              </a:solidFill>
-              <a:latin typeface="Consolas" panose="020B0609020204030204" pitchFamily="49" charset="0"/>
-            </a:endParaRPr>
-          </a:p>
-          <a:p>
-            <a:pPr marL="171450" marR="64008" indent="-171450"/>
             <a:r>
               <a:rPr lang="en-US" sz="2800" dirty="0">
                 <a:solidFill>
@@ -6596,15 +6869,6 @@
               </a:rPr>
               <a:t>Crest helps user to make financial decision related to investment and loan.</a:t>
             </a:r>
-          </a:p>
-          <a:p>
-            <a:pPr marL="171450" marR="64008" indent="-171450"/>
-            <a:endParaRPr lang="en-US" sz="2800" dirty="0">
-              <a:solidFill>
-                <a:schemeClr val="tx2"/>
-              </a:solidFill>
-              <a:latin typeface="Consolas" panose="020B0609020204030204" pitchFamily="49" charset="0"/>
-            </a:endParaRPr>
           </a:p>
           <a:p>
             <a:pPr marL="171450" marR="64008" indent="-171450"/>
@@ -6691,13 +6955,20 @@
             <p:ph idx="1"/>
           </p:nvPr>
         </p:nvSpPr>
-        <p:spPr/>
-        <p:txBody>
-          <a:bodyPr/>
+        <p:spPr>
+          <a:xfrm>
+            <a:off x="457200" y="1374121"/>
+            <a:ext cx="8229600" cy="4843272"/>
+          </a:xfrm>
+        </p:spPr>
+        <p:txBody>
+          <a:bodyPr>
+            <a:normAutofit/>
+          </a:bodyPr>
           <a:lstStyle/>
           <a:p>
             <a:r>
-              <a:rPr lang="en-US" sz="2800" dirty="0">
+              <a:rPr lang="en-US" sz="2400" dirty="0">
                 <a:solidFill>
                   <a:schemeClr val="tx2"/>
                 </a:solidFill>
@@ -6707,19 +6978,8 @@
             </a:r>
           </a:p>
           <a:p>
-            <a:pPr marL="109728" indent="0">
-              <a:buNone/>
-            </a:pPr>
-            <a:endParaRPr lang="en-US" sz="2800" dirty="0">
-              <a:solidFill>
-                <a:schemeClr val="tx2"/>
-              </a:solidFill>
-              <a:latin typeface="Consolas" panose="020B0609020204030204" pitchFamily="49" charset="0"/>
-            </a:endParaRPr>
-          </a:p>
-          <a:p>
-            <a:r>
-              <a:rPr lang="en-US" sz="2800" dirty="0">
+            <a:r>
+              <a:rPr lang="en-US" sz="2400" dirty="0">
                 <a:solidFill>
                   <a:schemeClr val="tx2"/>
                 </a:solidFill>
@@ -6729,31 +6989,26 @@
             </a:r>
           </a:p>
           <a:p>
-            <a:endParaRPr lang="en-US" sz="2800" dirty="0">
-              <a:solidFill>
-                <a:schemeClr val="tx2"/>
-              </a:solidFill>
-              <a:latin typeface="Consolas" panose="020B0609020204030204" pitchFamily="49" charset="0"/>
-            </a:endParaRPr>
-          </a:p>
-          <a:p>
-            <a:r>
-              <a:rPr lang="en-US" sz="2800" dirty="0">
+            <a:r>
+              <a:rPr lang="en-US" sz="2400" dirty="0">
                 <a:solidFill>
                   <a:schemeClr val="tx2"/>
                 </a:solidFill>
                 <a:latin typeface="Consolas" panose="020B0609020204030204" pitchFamily="49" charset="0"/>
               </a:rPr>
-              <a:t> Guidance.</a:t>
-            </a:r>
-          </a:p>
-          <a:p>
-            <a:endParaRPr lang="en-US" sz="2800" dirty="0">
-              <a:solidFill>
-                <a:schemeClr val="tx2"/>
-              </a:solidFill>
-              <a:latin typeface="Consolas" panose="020B0609020204030204" pitchFamily="49" charset="0"/>
-            </a:endParaRPr>
+              <a:t>Stock market investment guidance is out of bound of our project.</a:t>
+            </a:r>
+          </a:p>
+          <a:p>
+            <a:r>
+              <a:rPr lang="en-US" sz="2400" dirty="0">
+                <a:solidFill>
+                  <a:schemeClr val="tx2"/>
+                </a:solidFill>
+                <a:latin typeface="Consolas" panose="020B0609020204030204" pitchFamily="49" charset="0"/>
+              </a:rPr>
+              <a:t>CREST also takes into consideration the inflation rate and has a target amount feature available in it.</a:t>
+            </a:r>
           </a:p>
         </p:txBody>
       </p:sp>
@@ -6853,14 +7108,19 @@
             <p:ph type="title"/>
           </p:nvPr>
         </p:nvSpPr>
-        <p:spPr/>
+        <p:spPr>
+          <a:xfrm>
+            <a:off x="43206" y="0"/>
+            <a:ext cx="8229600" cy="1143000"/>
+          </a:xfrm>
+        </p:spPr>
         <p:txBody>
           <a:bodyPr/>
           <a:lstStyle/>
           <a:p>
             <a:r>
               <a:rPr lang="en-US" dirty="0"/>
-              <a:t>PROTOTYPE</a:t>
+              <a:t>PROTOTYPE – UI design</a:t>
             </a:r>
           </a:p>
         </p:txBody>
@@ -6940,14 +7200,19 @@
             <p:ph type="title"/>
           </p:nvPr>
         </p:nvSpPr>
-        <p:spPr/>
+        <p:spPr>
+          <a:xfrm>
+            <a:off x="6285" y="12569"/>
+            <a:ext cx="8229600" cy="1143000"/>
+          </a:xfrm>
+        </p:spPr>
         <p:txBody>
           <a:bodyPr/>
           <a:lstStyle/>
           <a:p>
             <a:r>
               <a:rPr lang="en-US" dirty="0"/>
-              <a:t>PROTOTYPE</a:t>
+              <a:t>PROTOTYPE – UI design</a:t>
             </a:r>
           </a:p>
         </p:txBody>
@@ -7050,15 +7315,34 @@
             <p:ph type="title"/>
           </p:nvPr>
         </p:nvSpPr>
-        <p:spPr/>
-        <p:txBody>
-          <a:bodyPr/>
+        <p:spPr>
+          <a:xfrm>
+            <a:off x="216816" y="467"/>
+            <a:ext cx="8229600" cy="1143000"/>
+          </a:xfrm>
+        </p:spPr>
+        <p:txBody>
+          <a:bodyPr>
+            <a:normAutofit/>
+          </a:bodyPr>
           <a:lstStyle/>
           <a:p>
             <a:r>
               <a:rPr lang="en-US" dirty="0"/>
-              <a:t>DATA BASE</a:t>
-            </a:r>
+              <a:t>DATA BASE DESIGN</a:t>
+            </a:r>
+            <a:br>
+              <a:rPr lang="en-US" dirty="0"/>
+            </a:br>
+            <a:r>
+              <a:rPr lang="en-US" sz="2000" b="0" dirty="0">
+                <a:latin typeface="Consolas" panose="020B0609020204030204" pitchFamily="49" charset="0"/>
+              </a:rPr>
+              <a:t>Is still being refined</a:t>
+            </a:r>
+            <a:endParaRPr lang="en-US" b="0" dirty="0">
+              <a:latin typeface="Consolas" panose="020B0609020204030204" pitchFamily="49" charset="0"/>
+            </a:endParaRPr>
           </a:p>
         </p:txBody>
       </p:sp>
@@ -7185,7 +7469,7 @@
                 </a:solidFill>
                 <a:latin typeface="Consolas" panose="020B0609020204030204" pitchFamily="49" charset="0"/>
               </a:rPr>
-              <a:t>Pratham- Presentation and Backend </a:t>
+              <a:t>Pratham- Research and Backend </a:t>
             </a:r>
           </a:p>
           <a:p>
@@ -7218,8 +7502,23 @@
                 </a:solidFill>
                 <a:latin typeface="Consolas" panose="020B0609020204030204" pitchFamily="49" charset="0"/>
               </a:rPr>
-              <a:t>Savio- UI design and Research </a:t>
-            </a:r>
+              <a:t>Savio- UI design </a:t>
+            </a:r>
+            <a:r>
+              <a:rPr lang="en-US" sz="2800">
+                <a:solidFill>
+                  <a:schemeClr val="tx2"/>
+                </a:solidFill>
+                <a:latin typeface="Consolas" panose="020B0609020204030204" pitchFamily="49" charset="0"/>
+              </a:rPr>
+              <a:t>and Presentation </a:t>
+            </a:r>
+            <a:endParaRPr lang="en-US" sz="2800" dirty="0">
+              <a:solidFill>
+                <a:schemeClr val="tx2"/>
+              </a:solidFill>
+              <a:latin typeface="Consolas" panose="020B0609020204030204" pitchFamily="49" charset="0"/>
+            </a:endParaRPr>
           </a:p>
         </p:txBody>
       </p:sp>
